--- a/2018-09-05/Introduction to Machine Learning.pptx
+++ b/2018-09-05/Introduction to Machine Learning.pptx
@@ -2851,11 +2851,15 @@
         </p:nvSpPr>
         <p:spPr/>
         <p:txBody>
-          <a:bodyPr/>
-          <a:p>
-            <a:r>
-              <a:rPr lang="en-US" altLang="en-US"/>
-              <a:t>7.LR(逻辑回归)</a:t>
+          <a:bodyPr>
+            <a:normAutofit fontScale="90000"/>
+          </a:bodyPr>
+          <a:p>
+            <a:r>
+              <a:rPr lang="en-US" altLang="en-US">
+                <a:sym typeface="+mn-ea"/>
+              </a:rPr>
+              <a:t>7.K-NN(K - nearest neighbors)(K-近邻算法)</a:t>
             </a:r>
             <a:endParaRPr lang="en-US" altLang="en-US"/>
           </a:p>
@@ -2871,29 +2875,23 @@
             <p:ph idx="1"/>
           </p:nvPr>
         </p:nvSpPr>
-        <p:spPr/>
-        <p:txBody>
-          <a:bodyPr/>
-          <a:p>
-            <a:r>
-              <a:rPr lang="en-US" altLang="en-US"/>
-              <a:t>详细请见Github或</a:t>
-            </a:r>
-            <a:r>
-              <a:rPr lang="" altLang="en-US"/>
-              <a:t>P</a:t>
-            </a:r>
-            <a:r>
-              <a:rPr lang="en-US" altLang="en-US"/>
-              <a:t>df.</a:t>
-            </a:r>
-            <a:endParaRPr lang="en-US" altLang="en-US"/>
-          </a:p>
-          <a:p>
-            <a:endParaRPr lang="en-US" altLang="en-US"/>
-          </a:p>
-          <a:p>
-            <a:endParaRPr lang="en-US" altLang="en-US"/>
+        <p:spPr>
+          <a:xfrm>
+            <a:off x="843915" y="1825625"/>
+            <a:ext cx="10515600" cy="4351338"/>
+          </a:xfrm>
+        </p:spPr>
+        <p:txBody>
+          <a:bodyPr/>
+          <a:p>
+            <a:r>
+              <a:rPr lang="en-US" altLang="en-US"/>
+              <a:t>详细请见Github或Pdf.</a:t>
+            </a:r>
+            <a:endParaRPr lang="en-US" altLang="en-US"/>
+          </a:p>
+          <a:p>
+            <a:endParaRPr lang="" altLang="en-US"/>
           </a:p>
         </p:txBody>
       </p:sp>
@@ -2995,7 +2993,27 @@
           <a:p>
             <a:r>
               <a:rPr lang="en-US" altLang="en-US"/>
-              <a:t>7.LR(Logistics Regression)逻辑回归</a:t>
+              <a:t>7.</a:t>
+            </a:r>
+            <a:r>
+              <a:rPr lang="" altLang="en-US"/>
+              <a:t>K-NN</a:t>
+            </a:r>
+            <a:r>
+              <a:rPr lang="en-US" altLang="en-US"/>
+              <a:t>(</a:t>
+            </a:r>
+            <a:r>
+              <a:rPr lang="" altLang="en-US"/>
+              <a:t>K - nearest neighbors</a:t>
+            </a:r>
+            <a:r>
+              <a:rPr lang="en-US" altLang="en-US"/>
+              <a:t>)</a:t>
+            </a:r>
+            <a:r>
+              <a:rPr lang="" altLang="en-US"/>
+              <a:t>(K-近邻算法)</a:t>
             </a:r>
             <a:endParaRPr lang="en-US" altLang="en-US"/>
           </a:p>
